--- a/ppt 16-9/1309.向耶和华歌唱.pptx
+++ b/ppt 16-9/1309.向耶和华歌唱.pptx
@@ -5,7 +5,7 @@
     <p:sldMasterId id="2147483648" r:id="rId1"/>
   </p:sldMasterIdLst>
   <p:sldIdLst>
-    <p:sldId id="859" r:id="rId2"/>
+    <p:sldId id="861" r:id="rId2"/>
   </p:sldIdLst>
   <p:sldSz cx="12192000" cy="6858000"/>
   <p:notesSz cx="6858000" cy="9144000"/>
@@ -129,7 +129,7 @@
           <p:cNvPr id="2" name="标题 1">
             <a:extLst>
               <a:ext uri="{FF2B5EF4-FFF2-40B4-BE49-F238E27FC236}">
-                <a16:creationId xmlns:a16="http://schemas.microsoft.com/office/drawing/2014/main" id="{6D27B5FF-DDDF-5CDA-D293-013DE8BD2109}"/>
+                <a16:creationId xmlns:a16="http://schemas.microsoft.com/office/drawing/2014/main" id="{55D9305A-BC16-DE1F-B510-2538EE89889A}"/>
               </a:ext>
             </a:extLst>
           </p:cNvPr>
@@ -166,7 +166,7 @@
           <p:cNvPr id="3" name="副标题 2">
             <a:extLst>
               <a:ext uri="{FF2B5EF4-FFF2-40B4-BE49-F238E27FC236}">
-                <a16:creationId xmlns:a16="http://schemas.microsoft.com/office/drawing/2014/main" id="{784714B8-D762-90C6-AE79-AA143EA0B453}"/>
+                <a16:creationId xmlns:a16="http://schemas.microsoft.com/office/drawing/2014/main" id="{ACCC0804-0AB8-8E42-E514-18847D976805}"/>
               </a:ext>
             </a:extLst>
           </p:cNvPr>
@@ -236,7 +236,7 @@
           <p:cNvPr id="4" name="日期占位符 3">
             <a:extLst>
               <a:ext uri="{FF2B5EF4-FFF2-40B4-BE49-F238E27FC236}">
-                <a16:creationId xmlns:a16="http://schemas.microsoft.com/office/drawing/2014/main" id="{CE32FA38-8A65-237B-EB19-416D9351B3EF}"/>
+                <a16:creationId xmlns:a16="http://schemas.microsoft.com/office/drawing/2014/main" id="{C8B2730B-1922-DE58-876C-F7808AF1534B}"/>
               </a:ext>
             </a:extLst>
           </p:cNvPr>
@@ -252,7 +252,7 @@
           <a:bodyPr/>
           <a:lstStyle/>
           <a:p>
-            <a:fld id="{CF946948-DC08-43DF-84E5-934A451ABD9F}" type="datetimeFigureOut">
+            <a:fld id="{33F5215A-576F-416A-B88A-2475F907967E}" type="datetimeFigureOut">
               <a:rPr lang="zh-CN" altLang="en-US" smtClean="0"/>
               <a:t>2024/3/10</a:t>
             </a:fld>
@@ -265,7 +265,7 @@
           <p:cNvPr id="5" name="页脚占位符 4">
             <a:extLst>
               <a:ext uri="{FF2B5EF4-FFF2-40B4-BE49-F238E27FC236}">
-                <a16:creationId xmlns:a16="http://schemas.microsoft.com/office/drawing/2014/main" id="{8C897CE6-5B42-FA8E-00E6-EAE89511C7DC}"/>
+                <a16:creationId xmlns:a16="http://schemas.microsoft.com/office/drawing/2014/main" id="{752D3A04-BC34-047A-2BD4-22425101ADE4}"/>
               </a:ext>
             </a:extLst>
           </p:cNvPr>
@@ -290,7 +290,7 @@
           <p:cNvPr id="6" name="灯片编号占位符 5">
             <a:extLst>
               <a:ext uri="{FF2B5EF4-FFF2-40B4-BE49-F238E27FC236}">
-                <a16:creationId xmlns:a16="http://schemas.microsoft.com/office/drawing/2014/main" id="{38EC7511-96C4-55C1-868E-83B371C55481}"/>
+                <a16:creationId xmlns:a16="http://schemas.microsoft.com/office/drawing/2014/main" id="{C13444D6-EB01-E4BA-B3FB-EE736F89FC59}"/>
               </a:ext>
             </a:extLst>
           </p:cNvPr>
@@ -306,7 +306,7 @@
           <a:bodyPr/>
           <a:lstStyle/>
           <a:p>
-            <a:fld id="{38E1B19C-B62D-46E2-85F9-E84EA169AB34}" type="slidenum">
+            <a:fld id="{370DC32B-A6AD-43E7-883F-9AB9B530B23A}" type="slidenum">
               <a:rPr lang="zh-CN" altLang="en-US" smtClean="0"/>
               <a:t>‹#›</a:t>
             </a:fld>
@@ -317,7 +317,7 @@
     </p:spTree>
     <p:extLst>
       <p:ext uri="{BB962C8B-B14F-4D97-AF65-F5344CB8AC3E}">
-        <p14:creationId xmlns:p14="http://schemas.microsoft.com/office/powerpoint/2010/main" val="3834322154"/>
+        <p14:creationId xmlns:p14="http://schemas.microsoft.com/office/powerpoint/2010/main" val="4115168418"/>
       </p:ext>
     </p:extLst>
   </p:cSld>
@@ -349,7 +349,7 @@
           <p:cNvPr id="2" name="标题 1">
             <a:extLst>
               <a:ext uri="{FF2B5EF4-FFF2-40B4-BE49-F238E27FC236}">
-                <a16:creationId xmlns:a16="http://schemas.microsoft.com/office/drawing/2014/main" id="{CE133422-8E0F-ED8A-ADB9-ABA5771F233E}"/>
+                <a16:creationId xmlns:a16="http://schemas.microsoft.com/office/drawing/2014/main" id="{0A982068-85EC-89B4-4CB9-944761C4C7AE}"/>
               </a:ext>
             </a:extLst>
           </p:cNvPr>
@@ -377,7 +377,7 @@
           <p:cNvPr id="3" name="竖排文字占位符 2">
             <a:extLst>
               <a:ext uri="{FF2B5EF4-FFF2-40B4-BE49-F238E27FC236}">
-                <a16:creationId xmlns:a16="http://schemas.microsoft.com/office/drawing/2014/main" id="{ACBBA4EE-53D6-BC4B-42B0-C1B233B3898B}"/>
+                <a16:creationId xmlns:a16="http://schemas.microsoft.com/office/drawing/2014/main" id="{0585B5C1-DE5B-B59C-CD06-806F2EB352B7}"/>
               </a:ext>
             </a:extLst>
           </p:cNvPr>
@@ -434,7 +434,7 @@
           <p:cNvPr id="4" name="日期占位符 3">
             <a:extLst>
               <a:ext uri="{FF2B5EF4-FFF2-40B4-BE49-F238E27FC236}">
-                <a16:creationId xmlns:a16="http://schemas.microsoft.com/office/drawing/2014/main" id="{F0ACC457-4A1D-A559-002A-29F750F84D71}"/>
+                <a16:creationId xmlns:a16="http://schemas.microsoft.com/office/drawing/2014/main" id="{AB39A809-12C1-79F9-63CF-CF48A9DDE1CD}"/>
               </a:ext>
             </a:extLst>
           </p:cNvPr>
@@ -450,7 +450,7 @@
           <a:bodyPr/>
           <a:lstStyle/>
           <a:p>
-            <a:fld id="{CF946948-DC08-43DF-84E5-934A451ABD9F}" type="datetimeFigureOut">
+            <a:fld id="{33F5215A-576F-416A-B88A-2475F907967E}" type="datetimeFigureOut">
               <a:rPr lang="zh-CN" altLang="en-US" smtClean="0"/>
               <a:t>2024/3/10</a:t>
             </a:fld>
@@ -463,7 +463,7 @@
           <p:cNvPr id="5" name="页脚占位符 4">
             <a:extLst>
               <a:ext uri="{FF2B5EF4-FFF2-40B4-BE49-F238E27FC236}">
-                <a16:creationId xmlns:a16="http://schemas.microsoft.com/office/drawing/2014/main" id="{0F5F4CB2-04F0-F42B-4F46-8D31410A6EEA}"/>
+                <a16:creationId xmlns:a16="http://schemas.microsoft.com/office/drawing/2014/main" id="{6C3F0F1D-EE6A-88E9-EAF6-18EDF96279AD}"/>
               </a:ext>
             </a:extLst>
           </p:cNvPr>
@@ -488,7 +488,7 @@
           <p:cNvPr id="6" name="灯片编号占位符 5">
             <a:extLst>
               <a:ext uri="{FF2B5EF4-FFF2-40B4-BE49-F238E27FC236}">
-                <a16:creationId xmlns:a16="http://schemas.microsoft.com/office/drawing/2014/main" id="{48DB9F67-93FB-460A-6684-9F94EA07BD80}"/>
+                <a16:creationId xmlns:a16="http://schemas.microsoft.com/office/drawing/2014/main" id="{44702298-DE14-5F3C-3C48-3D1DA880A18B}"/>
               </a:ext>
             </a:extLst>
           </p:cNvPr>
@@ -504,7 +504,7 @@
           <a:bodyPr/>
           <a:lstStyle/>
           <a:p>
-            <a:fld id="{38E1B19C-B62D-46E2-85F9-E84EA169AB34}" type="slidenum">
+            <a:fld id="{370DC32B-A6AD-43E7-883F-9AB9B530B23A}" type="slidenum">
               <a:rPr lang="zh-CN" altLang="en-US" smtClean="0"/>
               <a:t>‹#›</a:t>
             </a:fld>
@@ -515,7 +515,7 @@
     </p:spTree>
     <p:extLst>
       <p:ext uri="{BB962C8B-B14F-4D97-AF65-F5344CB8AC3E}">
-        <p14:creationId xmlns:p14="http://schemas.microsoft.com/office/powerpoint/2010/main" val="2107102033"/>
+        <p14:creationId xmlns:p14="http://schemas.microsoft.com/office/powerpoint/2010/main" val="4245170632"/>
       </p:ext>
     </p:extLst>
   </p:cSld>
@@ -547,7 +547,7 @@
           <p:cNvPr id="2" name="竖排标题 1">
             <a:extLst>
               <a:ext uri="{FF2B5EF4-FFF2-40B4-BE49-F238E27FC236}">
-                <a16:creationId xmlns:a16="http://schemas.microsoft.com/office/drawing/2014/main" id="{983F2A7D-AA1C-768F-31BA-0AF5910C601D}"/>
+                <a16:creationId xmlns:a16="http://schemas.microsoft.com/office/drawing/2014/main" id="{6F5B31F3-FBC2-3852-4B71-7FF502560338}"/>
               </a:ext>
             </a:extLst>
           </p:cNvPr>
@@ -580,7 +580,7 @@
           <p:cNvPr id="3" name="竖排文字占位符 2">
             <a:extLst>
               <a:ext uri="{FF2B5EF4-FFF2-40B4-BE49-F238E27FC236}">
-                <a16:creationId xmlns:a16="http://schemas.microsoft.com/office/drawing/2014/main" id="{7EB42C78-1F0B-4A12-22FB-45CE9A7CA2D3}"/>
+                <a16:creationId xmlns:a16="http://schemas.microsoft.com/office/drawing/2014/main" id="{859814F1-0A1F-B24D-B14E-A50F53E9654C}"/>
               </a:ext>
             </a:extLst>
           </p:cNvPr>
@@ -642,7 +642,7 @@
           <p:cNvPr id="4" name="日期占位符 3">
             <a:extLst>
               <a:ext uri="{FF2B5EF4-FFF2-40B4-BE49-F238E27FC236}">
-                <a16:creationId xmlns:a16="http://schemas.microsoft.com/office/drawing/2014/main" id="{040E207A-E857-52ED-AE3A-66354B89BA8E}"/>
+                <a16:creationId xmlns:a16="http://schemas.microsoft.com/office/drawing/2014/main" id="{68101087-982B-A09F-D8A5-5591D621F4E2}"/>
               </a:ext>
             </a:extLst>
           </p:cNvPr>
@@ -658,7 +658,7 @@
           <a:bodyPr/>
           <a:lstStyle/>
           <a:p>
-            <a:fld id="{CF946948-DC08-43DF-84E5-934A451ABD9F}" type="datetimeFigureOut">
+            <a:fld id="{33F5215A-576F-416A-B88A-2475F907967E}" type="datetimeFigureOut">
               <a:rPr lang="zh-CN" altLang="en-US" smtClean="0"/>
               <a:t>2024/3/10</a:t>
             </a:fld>
@@ -671,7 +671,7 @@
           <p:cNvPr id="5" name="页脚占位符 4">
             <a:extLst>
               <a:ext uri="{FF2B5EF4-FFF2-40B4-BE49-F238E27FC236}">
-                <a16:creationId xmlns:a16="http://schemas.microsoft.com/office/drawing/2014/main" id="{9E2783F7-7EA1-62B0-372B-FF44B9EF998F}"/>
+                <a16:creationId xmlns:a16="http://schemas.microsoft.com/office/drawing/2014/main" id="{A2E71B9F-6A59-F526-7979-AF8C00DD4EBD}"/>
               </a:ext>
             </a:extLst>
           </p:cNvPr>
@@ -696,7 +696,7 @@
           <p:cNvPr id="6" name="灯片编号占位符 5">
             <a:extLst>
               <a:ext uri="{FF2B5EF4-FFF2-40B4-BE49-F238E27FC236}">
-                <a16:creationId xmlns:a16="http://schemas.microsoft.com/office/drawing/2014/main" id="{3A4F01B6-E7C0-2456-FA23-4A719A3BE63B}"/>
+                <a16:creationId xmlns:a16="http://schemas.microsoft.com/office/drawing/2014/main" id="{CA3B968B-DCCD-54BB-A76C-8D37A64F80BC}"/>
               </a:ext>
             </a:extLst>
           </p:cNvPr>
@@ -712,7 +712,7 @@
           <a:bodyPr/>
           <a:lstStyle/>
           <a:p>
-            <a:fld id="{38E1B19C-B62D-46E2-85F9-E84EA169AB34}" type="slidenum">
+            <a:fld id="{370DC32B-A6AD-43E7-883F-9AB9B530B23A}" type="slidenum">
               <a:rPr lang="zh-CN" altLang="en-US" smtClean="0"/>
               <a:t>‹#›</a:t>
             </a:fld>
@@ -723,7 +723,7 @@
     </p:spTree>
     <p:extLst>
       <p:ext uri="{BB962C8B-B14F-4D97-AF65-F5344CB8AC3E}">
-        <p14:creationId xmlns:p14="http://schemas.microsoft.com/office/powerpoint/2010/main" val="3866325672"/>
+        <p14:creationId xmlns:p14="http://schemas.microsoft.com/office/powerpoint/2010/main" val="1140010116"/>
       </p:ext>
     </p:extLst>
   </p:cSld>
@@ -755,7 +755,7 @@
           <p:cNvPr id="2" name="标题 1">
             <a:extLst>
               <a:ext uri="{FF2B5EF4-FFF2-40B4-BE49-F238E27FC236}">
-                <a16:creationId xmlns:a16="http://schemas.microsoft.com/office/drawing/2014/main" id="{5BCBEF0D-7DA0-5FEB-10B1-5E16E0BFB6BA}"/>
+                <a16:creationId xmlns:a16="http://schemas.microsoft.com/office/drawing/2014/main" id="{251A7042-0D8C-EA3E-CE9B-15E9542C2AEF}"/>
               </a:ext>
             </a:extLst>
           </p:cNvPr>
@@ -783,7 +783,7 @@
           <p:cNvPr id="3" name="内容占位符 2">
             <a:extLst>
               <a:ext uri="{FF2B5EF4-FFF2-40B4-BE49-F238E27FC236}">
-                <a16:creationId xmlns:a16="http://schemas.microsoft.com/office/drawing/2014/main" id="{BA73B1F2-636F-417C-181C-0D826EEE3F0C}"/>
+                <a16:creationId xmlns:a16="http://schemas.microsoft.com/office/drawing/2014/main" id="{EA236C7F-1220-B500-BD4A-FD3564E96F9F}"/>
               </a:ext>
             </a:extLst>
           </p:cNvPr>
@@ -840,7 +840,7 @@
           <p:cNvPr id="4" name="日期占位符 3">
             <a:extLst>
               <a:ext uri="{FF2B5EF4-FFF2-40B4-BE49-F238E27FC236}">
-                <a16:creationId xmlns:a16="http://schemas.microsoft.com/office/drawing/2014/main" id="{B7038832-607F-4072-AD85-2F4C394A847C}"/>
+                <a16:creationId xmlns:a16="http://schemas.microsoft.com/office/drawing/2014/main" id="{524F418B-C809-03B2-0EC9-588C247FF05F}"/>
               </a:ext>
             </a:extLst>
           </p:cNvPr>
@@ -856,7 +856,7 @@
           <a:bodyPr/>
           <a:lstStyle/>
           <a:p>
-            <a:fld id="{CF946948-DC08-43DF-84E5-934A451ABD9F}" type="datetimeFigureOut">
+            <a:fld id="{33F5215A-576F-416A-B88A-2475F907967E}" type="datetimeFigureOut">
               <a:rPr lang="zh-CN" altLang="en-US" smtClean="0"/>
               <a:t>2024/3/10</a:t>
             </a:fld>
@@ -869,7 +869,7 @@
           <p:cNvPr id="5" name="页脚占位符 4">
             <a:extLst>
               <a:ext uri="{FF2B5EF4-FFF2-40B4-BE49-F238E27FC236}">
-                <a16:creationId xmlns:a16="http://schemas.microsoft.com/office/drawing/2014/main" id="{834793FB-250D-2A59-AED2-3674AD53A2B8}"/>
+                <a16:creationId xmlns:a16="http://schemas.microsoft.com/office/drawing/2014/main" id="{1C7FF1D3-0688-FCB1-79B4-A230233DD8F0}"/>
               </a:ext>
             </a:extLst>
           </p:cNvPr>
@@ -894,7 +894,7 @@
           <p:cNvPr id="6" name="灯片编号占位符 5">
             <a:extLst>
               <a:ext uri="{FF2B5EF4-FFF2-40B4-BE49-F238E27FC236}">
-                <a16:creationId xmlns:a16="http://schemas.microsoft.com/office/drawing/2014/main" id="{49A5AF4F-A120-BF8B-D693-3384A5A4CA81}"/>
+                <a16:creationId xmlns:a16="http://schemas.microsoft.com/office/drawing/2014/main" id="{D5C4AFB2-6D68-64BF-0944-40E204D983B7}"/>
               </a:ext>
             </a:extLst>
           </p:cNvPr>
@@ -910,7 +910,7 @@
           <a:bodyPr/>
           <a:lstStyle/>
           <a:p>
-            <a:fld id="{38E1B19C-B62D-46E2-85F9-E84EA169AB34}" type="slidenum">
+            <a:fld id="{370DC32B-A6AD-43E7-883F-9AB9B530B23A}" type="slidenum">
               <a:rPr lang="zh-CN" altLang="en-US" smtClean="0"/>
               <a:t>‹#›</a:t>
             </a:fld>
@@ -921,7 +921,7 @@
     </p:spTree>
     <p:extLst>
       <p:ext uri="{BB962C8B-B14F-4D97-AF65-F5344CB8AC3E}">
-        <p14:creationId xmlns:p14="http://schemas.microsoft.com/office/powerpoint/2010/main" val="4261597058"/>
+        <p14:creationId xmlns:p14="http://schemas.microsoft.com/office/powerpoint/2010/main" val="982602302"/>
       </p:ext>
     </p:extLst>
   </p:cSld>
@@ -953,7 +953,7 @@
           <p:cNvPr id="2" name="标题 1">
             <a:extLst>
               <a:ext uri="{FF2B5EF4-FFF2-40B4-BE49-F238E27FC236}">
-                <a16:creationId xmlns:a16="http://schemas.microsoft.com/office/drawing/2014/main" id="{9CF05F31-3A8D-8112-3E24-5431B1ACCF12}"/>
+                <a16:creationId xmlns:a16="http://schemas.microsoft.com/office/drawing/2014/main" id="{CD9783EE-5866-7114-3D91-E2B4CDE92F6B}"/>
               </a:ext>
             </a:extLst>
           </p:cNvPr>
@@ -990,7 +990,7 @@
           <p:cNvPr id="3" name="文本占位符 2">
             <a:extLst>
               <a:ext uri="{FF2B5EF4-FFF2-40B4-BE49-F238E27FC236}">
-                <a16:creationId xmlns:a16="http://schemas.microsoft.com/office/drawing/2014/main" id="{4B5BDA52-76D2-8956-1A7B-E516A997856A}"/>
+                <a16:creationId xmlns:a16="http://schemas.microsoft.com/office/drawing/2014/main" id="{1E584C8C-4D35-BC47-F3F5-66B152BA1C12}"/>
               </a:ext>
             </a:extLst>
           </p:cNvPr>
@@ -1115,7 +1115,7 @@
           <p:cNvPr id="4" name="日期占位符 3">
             <a:extLst>
               <a:ext uri="{FF2B5EF4-FFF2-40B4-BE49-F238E27FC236}">
-                <a16:creationId xmlns:a16="http://schemas.microsoft.com/office/drawing/2014/main" id="{E359E91C-CB97-7CFA-EEDB-E11FBA202278}"/>
+                <a16:creationId xmlns:a16="http://schemas.microsoft.com/office/drawing/2014/main" id="{969BA03B-9818-26D8-39E7-FFB024E052C5}"/>
               </a:ext>
             </a:extLst>
           </p:cNvPr>
@@ -1131,7 +1131,7 @@
           <a:bodyPr/>
           <a:lstStyle/>
           <a:p>
-            <a:fld id="{CF946948-DC08-43DF-84E5-934A451ABD9F}" type="datetimeFigureOut">
+            <a:fld id="{33F5215A-576F-416A-B88A-2475F907967E}" type="datetimeFigureOut">
               <a:rPr lang="zh-CN" altLang="en-US" smtClean="0"/>
               <a:t>2024/3/10</a:t>
             </a:fld>
@@ -1144,7 +1144,7 @@
           <p:cNvPr id="5" name="页脚占位符 4">
             <a:extLst>
               <a:ext uri="{FF2B5EF4-FFF2-40B4-BE49-F238E27FC236}">
-                <a16:creationId xmlns:a16="http://schemas.microsoft.com/office/drawing/2014/main" id="{827A1E0B-C1F1-4EBD-8B2A-E14B21ED1925}"/>
+                <a16:creationId xmlns:a16="http://schemas.microsoft.com/office/drawing/2014/main" id="{81FAE344-445E-CE5F-B21B-CDD5CFF377C8}"/>
               </a:ext>
             </a:extLst>
           </p:cNvPr>
@@ -1169,7 +1169,7 @@
           <p:cNvPr id="6" name="灯片编号占位符 5">
             <a:extLst>
               <a:ext uri="{FF2B5EF4-FFF2-40B4-BE49-F238E27FC236}">
-                <a16:creationId xmlns:a16="http://schemas.microsoft.com/office/drawing/2014/main" id="{9A00EDAD-BAFC-5344-E4CB-A1567761CB88}"/>
+                <a16:creationId xmlns:a16="http://schemas.microsoft.com/office/drawing/2014/main" id="{BC84A45E-1E32-CE92-EC8B-AA2996745E1F}"/>
               </a:ext>
             </a:extLst>
           </p:cNvPr>
@@ -1185,7 +1185,7 @@
           <a:bodyPr/>
           <a:lstStyle/>
           <a:p>
-            <a:fld id="{38E1B19C-B62D-46E2-85F9-E84EA169AB34}" type="slidenum">
+            <a:fld id="{370DC32B-A6AD-43E7-883F-9AB9B530B23A}" type="slidenum">
               <a:rPr lang="zh-CN" altLang="en-US" smtClean="0"/>
               <a:t>‹#›</a:t>
             </a:fld>
@@ -1196,7 +1196,7 @@
     </p:spTree>
     <p:extLst>
       <p:ext uri="{BB962C8B-B14F-4D97-AF65-F5344CB8AC3E}">
-        <p14:creationId xmlns:p14="http://schemas.microsoft.com/office/powerpoint/2010/main" val="2943507411"/>
+        <p14:creationId xmlns:p14="http://schemas.microsoft.com/office/powerpoint/2010/main" val="4240027561"/>
       </p:ext>
     </p:extLst>
   </p:cSld>
@@ -1228,7 +1228,7 @@
           <p:cNvPr id="2" name="标题 1">
             <a:extLst>
               <a:ext uri="{FF2B5EF4-FFF2-40B4-BE49-F238E27FC236}">
-                <a16:creationId xmlns:a16="http://schemas.microsoft.com/office/drawing/2014/main" id="{A50639FD-2618-C53C-A513-5312FCABFAB7}"/>
+                <a16:creationId xmlns:a16="http://schemas.microsoft.com/office/drawing/2014/main" id="{0D4AE88B-7702-7F8B-A100-FDBD8A6AA15E}"/>
               </a:ext>
             </a:extLst>
           </p:cNvPr>
@@ -1256,7 +1256,7 @@
           <p:cNvPr id="3" name="内容占位符 2">
             <a:extLst>
               <a:ext uri="{FF2B5EF4-FFF2-40B4-BE49-F238E27FC236}">
-                <a16:creationId xmlns:a16="http://schemas.microsoft.com/office/drawing/2014/main" id="{50036DB3-5CBD-C82F-47A9-62F4CE9676E1}"/>
+                <a16:creationId xmlns:a16="http://schemas.microsoft.com/office/drawing/2014/main" id="{29C21F93-7C96-D0E1-5A85-CFD1069D5B5A}"/>
               </a:ext>
             </a:extLst>
           </p:cNvPr>
@@ -1318,7 +1318,7 @@
           <p:cNvPr id="4" name="内容占位符 3">
             <a:extLst>
               <a:ext uri="{FF2B5EF4-FFF2-40B4-BE49-F238E27FC236}">
-                <a16:creationId xmlns:a16="http://schemas.microsoft.com/office/drawing/2014/main" id="{B506B319-42D6-9F36-7657-260EA9A6087F}"/>
+                <a16:creationId xmlns:a16="http://schemas.microsoft.com/office/drawing/2014/main" id="{AFD1CCFD-A150-EAB8-814D-28813B371CD7}"/>
               </a:ext>
             </a:extLst>
           </p:cNvPr>
@@ -1380,7 +1380,7 @@
           <p:cNvPr id="5" name="日期占位符 4">
             <a:extLst>
               <a:ext uri="{FF2B5EF4-FFF2-40B4-BE49-F238E27FC236}">
-                <a16:creationId xmlns:a16="http://schemas.microsoft.com/office/drawing/2014/main" id="{8A356CCC-21CA-63CA-A136-744B63D9BFCD}"/>
+                <a16:creationId xmlns:a16="http://schemas.microsoft.com/office/drawing/2014/main" id="{372BB0D8-D9BD-1135-EF9E-7064743B6D64}"/>
               </a:ext>
             </a:extLst>
           </p:cNvPr>
@@ -1396,7 +1396,7 @@
           <a:bodyPr/>
           <a:lstStyle/>
           <a:p>
-            <a:fld id="{CF946948-DC08-43DF-84E5-934A451ABD9F}" type="datetimeFigureOut">
+            <a:fld id="{33F5215A-576F-416A-B88A-2475F907967E}" type="datetimeFigureOut">
               <a:rPr lang="zh-CN" altLang="en-US" smtClean="0"/>
               <a:t>2024/3/10</a:t>
             </a:fld>
@@ -1409,7 +1409,7 @@
           <p:cNvPr id="6" name="页脚占位符 5">
             <a:extLst>
               <a:ext uri="{FF2B5EF4-FFF2-40B4-BE49-F238E27FC236}">
-                <a16:creationId xmlns:a16="http://schemas.microsoft.com/office/drawing/2014/main" id="{CA5A95D0-9F87-5057-E105-77730DC126BB}"/>
+                <a16:creationId xmlns:a16="http://schemas.microsoft.com/office/drawing/2014/main" id="{19664F9E-7349-9C73-C723-88C0386D8F05}"/>
               </a:ext>
             </a:extLst>
           </p:cNvPr>
@@ -1434,7 +1434,7 @@
           <p:cNvPr id="7" name="灯片编号占位符 6">
             <a:extLst>
               <a:ext uri="{FF2B5EF4-FFF2-40B4-BE49-F238E27FC236}">
-                <a16:creationId xmlns:a16="http://schemas.microsoft.com/office/drawing/2014/main" id="{7DA6D743-3BB7-0B36-CA64-0AF7D89E94A5}"/>
+                <a16:creationId xmlns:a16="http://schemas.microsoft.com/office/drawing/2014/main" id="{4BEA9128-B824-CCDE-BE90-0451F58D89EC}"/>
               </a:ext>
             </a:extLst>
           </p:cNvPr>
@@ -1450,7 +1450,7 @@
           <a:bodyPr/>
           <a:lstStyle/>
           <a:p>
-            <a:fld id="{38E1B19C-B62D-46E2-85F9-E84EA169AB34}" type="slidenum">
+            <a:fld id="{370DC32B-A6AD-43E7-883F-9AB9B530B23A}" type="slidenum">
               <a:rPr lang="zh-CN" altLang="en-US" smtClean="0"/>
               <a:t>‹#›</a:t>
             </a:fld>
@@ -1461,7 +1461,7 @@
     </p:spTree>
     <p:extLst>
       <p:ext uri="{BB962C8B-B14F-4D97-AF65-F5344CB8AC3E}">
-        <p14:creationId xmlns:p14="http://schemas.microsoft.com/office/powerpoint/2010/main" val="3988575613"/>
+        <p14:creationId xmlns:p14="http://schemas.microsoft.com/office/powerpoint/2010/main" val="3555762895"/>
       </p:ext>
     </p:extLst>
   </p:cSld>
@@ -1493,7 +1493,7 @@
           <p:cNvPr id="2" name="标题 1">
             <a:extLst>
               <a:ext uri="{FF2B5EF4-FFF2-40B4-BE49-F238E27FC236}">
-                <a16:creationId xmlns:a16="http://schemas.microsoft.com/office/drawing/2014/main" id="{72B1AEDE-503F-79C7-DB0B-4A5AB4E8F599}"/>
+                <a16:creationId xmlns:a16="http://schemas.microsoft.com/office/drawing/2014/main" id="{A10028F0-6726-7573-7934-86B1B566E1ED}"/>
               </a:ext>
             </a:extLst>
           </p:cNvPr>
@@ -1526,7 +1526,7 @@
           <p:cNvPr id="3" name="文本占位符 2">
             <a:extLst>
               <a:ext uri="{FF2B5EF4-FFF2-40B4-BE49-F238E27FC236}">
-                <a16:creationId xmlns:a16="http://schemas.microsoft.com/office/drawing/2014/main" id="{FACFB5F9-57D7-D1B4-9D7D-FFCA8D980E1E}"/>
+                <a16:creationId xmlns:a16="http://schemas.microsoft.com/office/drawing/2014/main" id="{5AE36A03-5D6D-F975-772C-7A70D149EB9D}"/>
               </a:ext>
             </a:extLst>
           </p:cNvPr>
@@ -1597,7 +1597,7 @@
           <p:cNvPr id="4" name="内容占位符 3">
             <a:extLst>
               <a:ext uri="{FF2B5EF4-FFF2-40B4-BE49-F238E27FC236}">
-                <a16:creationId xmlns:a16="http://schemas.microsoft.com/office/drawing/2014/main" id="{8B2C1611-1E09-05E8-DC60-2446DF783109}"/>
+                <a16:creationId xmlns:a16="http://schemas.microsoft.com/office/drawing/2014/main" id="{8760724A-8D34-B3B8-2F9B-AEE0F76B6731}"/>
               </a:ext>
             </a:extLst>
           </p:cNvPr>
@@ -1659,7 +1659,7 @@
           <p:cNvPr id="5" name="文本占位符 4">
             <a:extLst>
               <a:ext uri="{FF2B5EF4-FFF2-40B4-BE49-F238E27FC236}">
-                <a16:creationId xmlns:a16="http://schemas.microsoft.com/office/drawing/2014/main" id="{97496A99-0279-6A15-1382-ADC477B4750F}"/>
+                <a16:creationId xmlns:a16="http://schemas.microsoft.com/office/drawing/2014/main" id="{F0C332C0-7CEA-FF21-78A8-175ADFB5BABD}"/>
               </a:ext>
             </a:extLst>
           </p:cNvPr>
@@ -1730,7 +1730,7 @@
           <p:cNvPr id="6" name="内容占位符 5">
             <a:extLst>
               <a:ext uri="{FF2B5EF4-FFF2-40B4-BE49-F238E27FC236}">
-                <a16:creationId xmlns:a16="http://schemas.microsoft.com/office/drawing/2014/main" id="{334F749B-75D0-B58A-C313-3C7DE83F60BB}"/>
+                <a16:creationId xmlns:a16="http://schemas.microsoft.com/office/drawing/2014/main" id="{700008D6-0E67-DDEB-1090-A0A88812459F}"/>
               </a:ext>
             </a:extLst>
           </p:cNvPr>
@@ -1792,7 +1792,7 @@
           <p:cNvPr id="7" name="日期占位符 6">
             <a:extLst>
               <a:ext uri="{FF2B5EF4-FFF2-40B4-BE49-F238E27FC236}">
-                <a16:creationId xmlns:a16="http://schemas.microsoft.com/office/drawing/2014/main" id="{6DF239F3-A4F8-DACD-6CB7-06F7DA7D8D10}"/>
+                <a16:creationId xmlns:a16="http://schemas.microsoft.com/office/drawing/2014/main" id="{8AE678F0-E744-65B0-8C0B-D6501D2C00A7}"/>
               </a:ext>
             </a:extLst>
           </p:cNvPr>
@@ -1808,7 +1808,7 @@
           <a:bodyPr/>
           <a:lstStyle/>
           <a:p>
-            <a:fld id="{CF946948-DC08-43DF-84E5-934A451ABD9F}" type="datetimeFigureOut">
+            <a:fld id="{33F5215A-576F-416A-B88A-2475F907967E}" type="datetimeFigureOut">
               <a:rPr lang="zh-CN" altLang="en-US" smtClean="0"/>
               <a:t>2024/3/10</a:t>
             </a:fld>
@@ -1821,7 +1821,7 @@
           <p:cNvPr id="8" name="页脚占位符 7">
             <a:extLst>
               <a:ext uri="{FF2B5EF4-FFF2-40B4-BE49-F238E27FC236}">
-                <a16:creationId xmlns:a16="http://schemas.microsoft.com/office/drawing/2014/main" id="{7400E551-BC2A-4AD7-648B-4ECA298D6EEC}"/>
+                <a16:creationId xmlns:a16="http://schemas.microsoft.com/office/drawing/2014/main" id="{EF04E163-7CC3-1668-FF69-B3C56E2F2DEF}"/>
               </a:ext>
             </a:extLst>
           </p:cNvPr>
@@ -1846,7 +1846,7 @@
           <p:cNvPr id="9" name="灯片编号占位符 8">
             <a:extLst>
               <a:ext uri="{FF2B5EF4-FFF2-40B4-BE49-F238E27FC236}">
-                <a16:creationId xmlns:a16="http://schemas.microsoft.com/office/drawing/2014/main" id="{C09E199D-AC63-B968-5945-6511C7E64A84}"/>
+                <a16:creationId xmlns:a16="http://schemas.microsoft.com/office/drawing/2014/main" id="{788C85F2-DF10-5FF1-D848-CA589CD62276}"/>
               </a:ext>
             </a:extLst>
           </p:cNvPr>
@@ -1862,7 +1862,7 @@
           <a:bodyPr/>
           <a:lstStyle/>
           <a:p>
-            <a:fld id="{38E1B19C-B62D-46E2-85F9-E84EA169AB34}" type="slidenum">
+            <a:fld id="{370DC32B-A6AD-43E7-883F-9AB9B530B23A}" type="slidenum">
               <a:rPr lang="zh-CN" altLang="en-US" smtClean="0"/>
               <a:t>‹#›</a:t>
             </a:fld>
@@ -1873,7 +1873,7 @@
     </p:spTree>
     <p:extLst>
       <p:ext uri="{BB962C8B-B14F-4D97-AF65-F5344CB8AC3E}">
-        <p14:creationId xmlns:p14="http://schemas.microsoft.com/office/powerpoint/2010/main" val="1295960782"/>
+        <p14:creationId xmlns:p14="http://schemas.microsoft.com/office/powerpoint/2010/main" val="748197103"/>
       </p:ext>
     </p:extLst>
   </p:cSld>
@@ -1905,7 +1905,7 @@
           <p:cNvPr id="2" name="标题 1">
             <a:extLst>
               <a:ext uri="{FF2B5EF4-FFF2-40B4-BE49-F238E27FC236}">
-                <a16:creationId xmlns:a16="http://schemas.microsoft.com/office/drawing/2014/main" id="{87FD14BF-19D8-332D-C7AD-42245BD5756F}"/>
+                <a16:creationId xmlns:a16="http://schemas.microsoft.com/office/drawing/2014/main" id="{E5394CB0-934E-6F5A-B2BD-C8D6A31DB4C7}"/>
               </a:ext>
             </a:extLst>
           </p:cNvPr>
@@ -1933,7 +1933,7 @@
           <p:cNvPr id="3" name="日期占位符 2">
             <a:extLst>
               <a:ext uri="{FF2B5EF4-FFF2-40B4-BE49-F238E27FC236}">
-                <a16:creationId xmlns:a16="http://schemas.microsoft.com/office/drawing/2014/main" id="{954F7A5E-B53A-9EBC-172C-45F1E9DA5778}"/>
+                <a16:creationId xmlns:a16="http://schemas.microsoft.com/office/drawing/2014/main" id="{A93991A1-DA5A-54C2-F957-C948C3F21897}"/>
               </a:ext>
             </a:extLst>
           </p:cNvPr>
@@ -1949,7 +1949,7 @@
           <a:bodyPr/>
           <a:lstStyle/>
           <a:p>
-            <a:fld id="{CF946948-DC08-43DF-84E5-934A451ABD9F}" type="datetimeFigureOut">
+            <a:fld id="{33F5215A-576F-416A-B88A-2475F907967E}" type="datetimeFigureOut">
               <a:rPr lang="zh-CN" altLang="en-US" smtClean="0"/>
               <a:t>2024/3/10</a:t>
             </a:fld>
@@ -1962,7 +1962,7 @@
           <p:cNvPr id="4" name="页脚占位符 3">
             <a:extLst>
               <a:ext uri="{FF2B5EF4-FFF2-40B4-BE49-F238E27FC236}">
-                <a16:creationId xmlns:a16="http://schemas.microsoft.com/office/drawing/2014/main" id="{6E4B0B00-4E72-A60B-DAEB-FD3AD641049A}"/>
+                <a16:creationId xmlns:a16="http://schemas.microsoft.com/office/drawing/2014/main" id="{8F33B686-15C5-E420-2061-AA5A249B93F1}"/>
               </a:ext>
             </a:extLst>
           </p:cNvPr>
@@ -1987,7 +1987,7 @@
           <p:cNvPr id="5" name="灯片编号占位符 4">
             <a:extLst>
               <a:ext uri="{FF2B5EF4-FFF2-40B4-BE49-F238E27FC236}">
-                <a16:creationId xmlns:a16="http://schemas.microsoft.com/office/drawing/2014/main" id="{0A53DD40-D249-1AF3-26AF-6C76C70E9068}"/>
+                <a16:creationId xmlns:a16="http://schemas.microsoft.com/office/drawing/2014/main" id="{5D4223B0-7FA2-3915-6829-40B0DA0E4946}"/>
               </a:ext>
             </a:extLst>
           </p:cNvPr>
@@ -2003,7 +2003,7 @@
           <a:bodyPr/>
           <a:lstStyle/>
           <a:p>
-            <a:fld id="{38E1B19C-B62D-46E2-85F9-E84EA169AB34}" type="slidenum">
+            <a:fld id="{370DC32B-A6AD-43E7-883F-9AB9B530B23A}" type="slidenum">
               <a:rPr lang="zh-CN" altLang="en-US" smtClean="0"/>
               <a:t>‹#›</a:t>
             </a:fld>
@@ -2014,7 +2014,7 @@
     </p:spTree>
     <p:extLst>
       <p:ext uri="{BB962C8B-B14F-4D97-AF65-F5344CB8AC3E}">
-        <p14:creationId xmlns:p14="http://schemas.microsoft.com/office/powerpoint/2010/main" val="3971686464"/>
+        <p14:creationId xmlns:p14="http://schemas.microsoft.com/office/powerpoint/2010/main" val="3759958036"/>
       </p:ext>
     </p:extLst>
   </p:cSld>
@@ -2046,7 +2046,7 @@
           <p:cNvPr id="2" name="日期占位符 1">
             <a:extLst>
               <a:ext uri="{FF2B5EF4-FFF2-40B4-BE49-F238E27FC236}">
-                <a16:creationId xmlns:a16="http://schemas.microsoft.com/office/drawing/2014/main" id="{455FB582-9468-BEE4-DCEB-1E8E43B38DD3}"/>
+                <a16:creationId xmlns:a16="http://schemas.microsoft.com/office/drawing/2014/main" id="{0879F7D3-278B-C03D-DAD2-4377F593853F}"/>
               </a:ext>
             </a:extLst>
           </p:cNvPr>
@@ -2062,7 +2062,7 @@
           <a:bodyPr/>
           <a:lstStyle/>
           <a:p>
-            <a:fld id="{CF946948-DC08-43DF-84E5-934A451ABD9F}" type="datetimeFigureOut">
+            <a:fld id="{33F5215A-576F-416A-B88A-2475F907967E}" type="datetimeFigureOut">
               <a:rPr lang="zh-CN" altLang="en-US" smtClean="0"/>
               <a:t>2024/3/10</a:t>
             </a:fld>
@@ -2075,7 +2075,7 @@
           <p:cNvPr id="3" name="页脚占位符 2">
             <a:extLst>
               <a:ext uri="{FF2B5EF4-FFF2-40B4-BE49-F238E27FC236}">
-                <a16:creationId xmlns:a16="http://schemas.microsoft.com/office/drawing/2014/main" id="{73B8BA0B-0F5D-4C73-D11E-5C30879EB722}"/>
+                <a16:creationId xmlns:a16="http://schemas.microsoft.com/office/drawing/2014/main" id="{EAB3AFB6-D265-04C3-AFC1-2741281EDD93}"/>
               </a:ext>
             </a:extLst>
           </p:cNvPr>
@@ -2100,7 +2100,7 @@
           <p:cNvPr id="4" name="灯片编号占位符 3">
             <a:extLst>
               <a:ext uri="{FF2B5EF4-FFF2-40B4-BE49-F238E27FC236}">
-                <a16:creationId xmlns:a16="http://schemas.microsoft.com/office/drawing/2014/main" id="{929396A9-3880-0C9A-58D5-D9BD52191649}"/>
+                <a16:creationId xmlns:a16="http://schemas.microsoft.com/office/drawing/2014/main" id="{B4CFF825-666E-3050-B8E6-A1BCAB3B96AD}"/>
               </a:ext>
             </a:extLst>
           </p:cNvPr>
@@ -2116,7 +2116,7 @@
           <a:bodyPr/>
           <a:lstStyle/>
           <a:p>
-            <a:fld id="{38E1B19C-B62D-46E2-85F9-E84EA169AB34}" type="slidenum">
+            <a:fld id="{370DC32B-A6AD-43E7-883F-9AB9B530B23A}" type="slidenum">
               <a:rPr lang="zh-CN" altLang="en-US" smtClean="0"/>
               <a:t>‹#›</a:t>
             </a:fld>
@@ -2127,7 +2127,7 @@
     </p:spTree>
     <p:extLst>
       <p:ext uri="{BB962C8B-B14F-4D97-AF65-F5344CB8AC3E}">
-        <p14:creationId xmlns:p14="http://schemas.microsoft.com/office/powerpoint/2010/main" val="4268592208"/>
+        <p14:creationId xmlns:p14="http://schemas.microsoft.com/office/powerpoint/2010/main" val="1130462729"/>
       </p:ext>
     </p:extLst>
   </p:cSld>
@@ -2159,7 +2159,7 @@
           <p:cNvPr id="2" name="标题 1">
             <a:extLst>
               <a:ext uri="{FF2B5EF4-FFF2-40B4-BE49-F238E27FC236}">
-                <a16:creationId xmlns:a16="http://schemas.microsoft.com/office/drawing/2014/main" id="{3A86C6C7-BE3D-6682-8290-C5DDE5DE08C9}"/>
+                <a16:creationId xmlns:a16="http://schemas.microsoft.com/office/drawing/2014/main" id="{F310F766-E638-F75F-2460-FD1380A8E49A}"/>
               </a:ext>
             </a:extLst>
           </p:cNvPr>
@@ -2196,7 +2196,7 @@
           <p:cNvPr id="3" name="内容占位符 2">
             <a:extLst>
               <a:ext uri="{FF2B5EF4-FFF2-40B4-BE49-F238E27FC236}">
-                <a16:creationId xmlns:a16="http://schemas.microsoft.com/office/drawing/2014/main" id="{17DE474A-97BA-4E96-AE00-4304553DD104}"/>
+                <a16:creationId xmlns:a16="http://schemas.microsoft.com/office/drawing/2014/main" id="{9CBB16FB-9B68-D4F7-5627-DEDA57D5F283}"/>
               </a:ext>
             </a:extLst>
           </p:cNvPr>
@@ -2286,7 +2286,7 @@
           <p:cNvPr id="4" name="文本占位符 3">
             <a:extLst>
               <a:ext uri="{FF2B5EF4-FFF2-40B4-BE49-F238E27FC236}">
-                <a16:creationId xmlns:a16="http://schemas.microsoft.com/office/drawing/2014/main" id="{32F63520-4819-67CA-1AAF-D975E3892AB8}"/>
+                <a16:creationId xmlns:a16="http://schemas.microsoft.com/office/drawing/2014/main" id="{00B48EB2-1A38-ADC9-3E61-BC5944F06215}"/>
               </a:ext>
             </a:extLst>
           </p:cNvPr>
@@ -2357,7 +2357,7 @@
           <p:cNvPr id="5" name="日期占位符 4">
             <a:extLst>
               <a:ext uri="{FF2B5EF4-FFF2-40B4-BE49-F238E27FC236}">
-                <a16:creationId xmlns:a16="http://schemas.microsoft.com/office/drawing/2014/main" id="{F0846FED-529D-28E5-4F95-8DF1A094F655}"/>
+                <a16:creationId xmlns:a16="http://schemas.microsoft.com/office/drawing/2014/main" id="{D2B7E2AF-C946-4C5C-A3E5-FEF47880087A}"/>
               </a:ext>
             </a:extLst>
           </p:cNvPr>
@@ -2373,7 +2373,7 @@
           <a:bodyPr/>
           <a:lstStyle/>
           <a:p>
-            <a:fld id="{CF946948-DC08-43DF-84E5-934A451ABD9F}" type="datetimeFigureOut">
+            <a:fld id="{33F5215A-576F-416A-B88A-2475F907967E}" type="datetimeFigureOut">
               <a:rPr lang="zh-CN" altLang="en-US" smtClean="0"/>
               <a:t>2024/3/10</a:t>
             </a:fld>
@@ -2386,7 +2386,7 @@
           <p:cNvPr id="6" name="页脚占位符 5">
             <a:extLst>
               <a:ext uri="{FF2B5EF4-FFF2-40B4-BE49-F238E27FC236}">
-                <a16:creationId xmlns:a16="http://schemas.microsoft.com/office/drawing/2014/main" id="{4FFFFE2C-54F8-1EBF-5D9A-6D64791A178A}"/>
+                <a16:creationId xmlns:a16="http://schemas.microsoft.com/office/drawing/2014/main" id="{4436F624-816B-2766-28A8-3B6C5E3F1BF8}"/>
               </a:ext>
             </a:extLst>
           </p:cNvPr>
@@ -2411,7 +2411,7 @@
           <p:cNvPr id="7" name="灯片编号占位符 6">
             <a:extLst>
               <a:ext uri="{FF2B5EF4-FFF2-40B4-BE49-F238E27FC236}">
-                <a16:creationId xmlns:a16="http://schemas.microsoft.com/office/drawing/2014/main" id="{31991EF7-628A-C28E-4FC6-395C1838097E}"/>
+                <a16:creationId xmlns:a16="http://schemas.microsoft.com/office/drawing/2014/main" id="{B3ADC756-0F84-6247-DDF3-AB6228FFF3FD}"/>
               </a:ext>
             </a:extLst>
           </p:cNvPr>
@@ -2427,7 +2427,7 @@
           <a:bodyPr/>
           <a:lstStyle/>
           <a:p>
-            <a:fld id="{38E1B19C-B62D-46E2-85F9-E84EA169AB34}" type="slidenum">
+            <a:fld id="{370DC32B-A6AD-43E7-883F-9AB9B530B23A}" type="slidenum">
               <a:rPr lang="zh-CN" altLang="en-US" smtClean="0"/>
               <a:t>‹#›</a:t>
             </a:fld>
@@ -2438,7 +2438,7 @@
     </p:spTree>
     <p:extLst>
       <p:ext uri="{BB962C8B-B14F-4D97-AF65-F5344CB8AC3E}">
-        <p14:creationId xmlns:p14="http://schemas.microsoft.com/office/powerpoint/2010/main" val="2217670291"/>
+        <p14:creationId xmlns:p14="http://schemas.microsoft.com/office/powerpoint/2010/main" val="2673229058"/>
       </p:ext>
     </p:extLst>
   </p:cSld>
@@ -2470,7 +2470,7 @@
           <p:cNvPr id="2" name="标题 1">
             <a:extLst>
               <a:ext uri="{FF2B5EF4-FFF2-40B4-BE49-F238E27FC236}">
-                <a16:creationId xmlns:a16="http://schemas.microsoft.com/office/drawing/2014/main" id="{AA409D52-0D85-A3A1-C5ED-095A98CB41D0}"/>
+                <a16:creationId xmlns:a16="http://schemas.microsoft.com/office/drawing/2014/main" id="{D4E9D4DB-7463-733E-FCE3-D2A612442C52}"/>
               </a:ext>
             </a:extLst>
           </p:cNvPr>
@@ -2507,7 +2507,7 @@
           <p:cNvPr id="3" name="图片占位符 2">
             <a:extLst>
               <a:ext uri="{FF2B5EF4-FFF2-40B4-BE49-F238E27FC236}">
-                <a16:creationId xmlns:a16="http://schemas.microsoft.com/office/drawing/2014/main" id="{5E125D26-C013-ABF6-96AB-9DD9765EAE00}"/>
+                <a16:creationId xmlns:a16="http://schemas.microsoft.com/office/drawing/2014/main" id="{CEF30673-6D57-07A5-B792-A91D1EBDFE07}"/>
               </a:ext>
             </a:extLst>
           </p:cNvPr>
@@ -2574,7 +2574,7 @@
           <p:cNvPr id="4" name="文本占位符 3">
             <a:extLst>
               <a:ext uri="{FF2B5EF4-FFF2-40B4-BE49-F238E27FC236}">
-                <a16:creationId xmlns:a16="http://schemas.microsoft.com/office/drawing/2014/main" id="{791090E0-5BE7-E7A5-0477-E765A14C2EA2}"/>
+                <a16:creationId xmlns:a16="http://schemas.microsoft.com/office/drawing/2014/main" id="{545A8173-3047-5F83-F2A8-7F108183C762}"/>
               </a:ext>
             </a:extLst>
           </p:cNvPr>
@@ -2645,7 +2645,7 @@
           <p:cNvPr id="5" name="日期占位符 4">
             <a:extLst>
               <a:ext uri="{FF2B5EF4-FFF2-40B4-BE49-F238E27FC236}">
-                <a16:creationId xmlns:a16="http://schemas.microsoft.com/office/drawing/2014/main" id="{817CDCCA-A14D-9D0B-2B3D-E8A5018B2EC8}"/>
+                <a16:creationId xmlns:a16="http://schemas.microsoft.com/office/drawing/2014/main" id="{2B3EAA00-A181-E81C-BC71-3A7B33478850}"/>
               </a:ext>
             </a:extLst>
           </p:cNvPr>
@@ -2661,7 +2661,7 @@
           <a:bodyPr/>
           <a:lstStyle/>
           <a:p>
-            <a:fld id="{CF946948-DC08-43DF-84E5-934A451ABD9F}" type="datetimeFigureOut">
+            <a:fld id="{33F5215A-576F-416A-B88A-2475F907967E}" type="datetimeFigureOut">
               <a:rPr lang="zh-CN" altLang="en-US" smtClean="0"/>
               <a:t>2024/3/10</a:t>
             </a:fld>
@@ -2674,7 +2674,7 @@
           <p:cNvPr id="6" name="页脚占位符 5">
             <a:extLst>
               <a:ext uri="{FF2B5EF4-FFF2-40B4-BE49-F238E27FC236}">
-                <a16:creationId xmlns:a16="http://schemas.microsoft.com/office/drawing/2014/main" id="{881776FB-4B44-499B-D875-E345BABDAEF5}"/>
+                <a16:creationId xmlns:a16="http://schemas.microsoft.com/office/drawing/2014/main" id="{1CB39C47-76E6-1882-950E-872C12AE5E52}"/>
               </a:ext>
             </a:extLst>
           </p:cNvPr>
@@ -2699,7 +2699,7 @@
           <p:cNvPr id="7" name="灯片编号占位符 6">
             <a:extLst>
               <a:ext uri="{FF2B5EF4-FFF2-40B4-BE49-F238E27FC236}">
-                <a16:creationId xmlns:a16="http://schemas.microsoft.com/office/drawing/2014/main" id="{460D18B4-1B7F-2027-DFF7-6771CD170D07}"/>
+                <a16:creationId xmlns:a16="http://schemas.microsoft.com/office/drawing/2014/main" id="{F172A644-86CE-6319-C58A-D31749A2B447}"/>
               </a:ext>
             </a:extLst>
           </p:cNvPr>
@@ -2715,7 +2715,7 @@
           <a:bodyPr/>
           <a:lstStyle/>
           <a:p>
-            <a:fld id="{38E1B19C-B62D-46E2-85F9-E84EA169AB34}" type="slidenum">
+            <a:fld id="{370DC32B-A6AD-43E7-883F-9AB9B530B23A}" type="slidenum">
               <a:rPr lang="zh-CN" altLang="en-US" smtClean="0"/>
               <a:t>‹#›</a:t>
             </a:fld>
@@ -2726,7 +2726,7 @@
     </p:spTree>
     <p:extLst>
       <p:ext uri="{BB962C8B-B14F-4D97-AF65-F5344CB8AC3E}">
-        <p14:creationId xmlns:p14="http://schemas.microsoft.com/office/powerpoint/2010/main" val="532024530"/>
+        <p14:creationId xmlns:p14="http://schemas.microsoft.com/office/powerpoint/2010/main" val="1076825106"/>
       </p:ext>
     </p:extLst>
   </p:cSld>
@@ -2763,7 +2763,7 @@
           <p:cNvPr id="2" name="标题占位符 1">
             <a:extLst>
               <a:ext uri="{FF2B5EF4-FFF2-40B4-BE49-F238E27FC236}">
-                <a16:creationId xmlns:a16="http://schemas.microsoft.com/office/drawing/2014/main" id="{B9813387-4E32-B87C-3944-3970C26A7491}"/>
+                <a16:creationId xmlns:a16="http://schemas.microsoft.com/office/drawing/2014/main" id="{A080734E-2158-2C99-72A8-2D6313BDCF19}"/>
               </a:ext>
             </a:extLst>
           </p:cNvPr>
@@ -2801,7 +2801,7 @@
           <p:cNvPr id="3" name="文本占位符 2">
             <a:extLst>
               <a:ext uri="{FF2B5EF4-FFF2-40B4-BE49-F238E27FC236}">
-                <a16:creationId xmlns:a16="http://schemas.microsoft.com/office/drawing/2014/main" id="{29F15E4A-1C38-F6D4-8037-91C309742EFB}"/>
+                <a16:creationId xmlns:a16="http://schemas.microsoft.com/office/drawing/2014/main" id="{B2FAC7BE-5B6F-87C0-2A65-507C17AA17BB}"/>
               </a:ext>
             </a:extLst>
           </p:cNvPr>
@@ -2868,7 +2868,7 @@
           <p:cNvPr id="4" name="日期占位符 3">
             <a:extLst>
               <a:ext uri="{FF2B5EF4-FFF2-40B4-BE49-F238E27FC236}">
-                <a16:creationId xmlns:a16="http://schemas.microsoft.com/office/drawing/2014/main" id="{10ACC047-A173-85AF-B43A-A95A277311F1}"/>
+                <a16:creationId xmlns:a16="http://schemas.microsoft.com/office/drawing/2014/main" id="{E638E4A4-E7CA-852D-E3B7-434773D448EF}"/>
               </a:ext>
             </a:extLst>
           </p:cNvPr>
@@ -2902,7 +2902,7 @@
             </a:lvl1pPr>
           </a:lstStyle>
           <a:p>
-            <a:fld id="{CF946948-DC08-43DF-84E5-934A451ABD9F}" type="datetimeFigureOut">
+            <a:fld id="{33F5215A-576F-416A-B88A-2475F907967E}" type="datetimeFigureOut">
               <a:rPr lang="zh-CN" altLang="en-US" smtClean="0"/>
               <a:t>2024/3/10</a:t>
             </a:fld>
@@ -2915,7 +2915,7 @@
           <p:cNvPr id="5" name="页脚占位符 4">
             <a:extLst>
               <a:ext uri="{FF2B5EF4-FFF2-40B4-BE49-F238E27FC236}">
-                <a16:creationId xmlns:a16="http://schemas.microsoft.com/office/drawing/2014/main" id="{E9E57204-6B08-24B1-AC0B-981900B8D237}"/>
+                <a16:creationId xmlns:a16="http://schemas.microsoft.com/office/drawing/2014/main" id="{9C55F7B9-4CA9-DEB8-3BE0-E65B2FDE6A57}"/>
               </a:ext>
             </a:extLst>
           </p:cNvPr>
@@ -2958,7 +2958,7 @@
           <p:cNvPr id="6" name="灯片编号占位符 5">
             <a:extLst>
               <a:ext uri="{FF2B5EF4-FFF2-40B4-BE49-F238E27FC236}">
-                <a16:creationId xmlns:a16="http://schemas.microsoft.com/office/drawing/2014/main" id="{D95183A3-4596-7960-A3A3-4596112544DE}"/>
+                <a16:creationId xmlns:a16="http://schemas.microsoft.com/office/drawing/2014/main" id="{8E1108BD-20D0-D346-E428-5798F3C1F636}"/>
               </a:ext>
             </a:extLst>
           </p:cNvPr>
@@ -2992,7 +2992,7 @@
             </a:lvl1pPr>
           </a:lstStyle>
           <a:p>
-            <a:fld id="{38E1B19C-B62D-46E2-85F9-E84EA169AB34}" type="slidenum">
+            <a:fld id="{370DC32B-A6AD-43E7-883F-9AB9B530B23A}" type="slidenum">
               <a:rPr lang="zh-CN" altLang="en-US" smtClean="0"/>
               <a:t>‹#›</a:t>
             </a:fld>
@@ -3003,7 +3003,7 @@
     </p:spTree>
     <p:extLst>
       <p:ext uri="{BB962C8B-B14F-4D97-AF65-F5344CB8AC3E}">
-        <p14:creationId xmlns:p14="http://schemas.microsoft.com/office/powerpoint/2010/main" val="2453015503"/>
+        <p14:creationId xmlns:p14="http://schemas.microsoft.com/office/powerpoint/2010/main" val="3378747567"/>
       </p:ext>
     </p:extLst>
   </p:cSld>
@@ -3323,7 +3323,7 @@
       </p:grpSpPr>
       <p:pic>
         <p:nvPicPr>
-          <p:cNvPr id="1340418" name="Picture 2" descr="1308"/>
+          <p:cNvPr id="1341442" name="Picture 2" descr="1309"/>
           <p:cNvPicPr>
             <a:picLocks noChangeAspect="1" noChangeArrowheads="1"/>
           </p:cNvPicPr>
@@ -3344,8 +3344,8 @@
         </p:blipFill>
         <p:spPr bwMode="auto">
           <a:xfrm>
-            <a:off x="1524000" y="1"/>
-            <a:ext cx="9144000" cy="6856413"/>
+            <a:off x="1524000" y="0"/>
+            <a:ext cx="9144000" cy="6858000"/>
           </a:xfrm>
           <a:prstGeom prst="rect">
             <a:avLst/>
@@ -3375,158 +3375,11 @@
           </a:extLst>
         </p:spPr>
       </p:pic>
-      <p:pic>
-        <p:nvPicPr>
-          <p:cNvPr id="1341443" name="Picture 3" descr="1308-2"/>
-          <p:cNvPicPr>
-            <a:picLocks noChangeAspect="1" noChangeArrowheads="1"/>
-          </p:cNvPicPr>
-          <p:nvPr/>
-        </p:nvPicPr>
-        <p:blipFill>
-          <a:blip r:embed="rId3">
-            <a:extLst>
-              <a:ext uri="{28A0092B-C50C-407E-A947-70E740481C1C}">
-                <a14:useLocalDpi xmlns:a14="http://schemas.microsoft.com/office/drawing/2010/main" val="0"/>
-              </a:ext>
-            </a:extLst>
-          </a:blip>
-          <a:srcRect/>
-          <a:stretch>
-            <a:fillRect/>
-          </a:stretch>
-        </p:blipFill>
-        <p:spPr bwMode="auto">
-          <a:xfrm>
-            <a:off x="1524000" y="0"/>
-            <a:ext cx="9144000" cy="6858000"/>
-          </a:xfrm>
-          <a:prstGeom prst="rect">
-            <a:avLst/>
-          </a:prstGeom>
-          <a:noFill/>
-          <a:ln>
-            <a:noFill/>
-          </a:ln>
-          <a:effectLst/>
-          <a:extLst>
-            <a:ext uri="{909E8E84-426E-40DD-AFC4-6F175D3DCCD1}">
-              <a14:hiddenFill xmlns:a14="http://schemas.microsoft.com/office/drawing/2010/main">
-                <a:solidFill>
-                  <a:srgbClr val="FFFFFF"/>
-                </a:solidFill>
-              </a14:hiddenFill>
-            </a:ext>
-            <a:ext uri="{91240B29-F687-4F45-9708-019B960494DF}">
-              <a14:hiddenLine xmlns:a14="http://schemas.microsoft.com/office/drawing/2010/main" w="9525">
-                <a:solidFill>
-                  <a:srgbClr val="000000"/>
-                </a:solidFill>
-                <a:miter lim="800000"/>
-                <a:headEnd/>
-                <a:tailEnd/>
-              </a14:hiddenLine>
-            </a:ext>
-            <a:ext uri="{AF507438-7753-43E0-B8FC-AC1667EBCBE1}">
-              <a14:hiddenEffects xmlns:a14="http://schemas.microsoft.com/office/drawing/2010/main">
-                <a:effectLst>
-                  <a:outerShdw dist="35921" dir="2700000" algn="ctr" rotWithShape="0">
-                    <a:srgbClr val="808080"/>
-                  </a:outerShdw>
-                </a:effectLst>
-              </a14:hiddenEffects>
-            </a:ext>
-          </a:extLst>
-        </p:spPr>
-      </p:pic>
     </p:spTree>
   </p:cSld>
   <p:clrMapOvr>
     <a:masterClrMapping/>
   </p:clrMapOvr>
-  <p:timing>
-    <p:tnLst>
-      <p:par>
-        <p:cTn id="1" dur="indefinite" restart="never" nodeType="tmRoot">
-          <p:childTnLst>
-            <p:seq concurrent="1" nextAc="seek">
-              <p:cTn id="2" dur="indefinite" nodeType="mainSeq">
-                <p:childTnLst>
-                  <p:par>
-                    <p:cTn id="3" fill="hold" nodeType="clickPar">
-                      <p:stCondLst>
-                        <p:cond delay="indefinite"/>
-                      </p:stCondLst>
-                      <p:childTnLst>
-                        <p:par>
-                          <p:cTn id="4" fill="hold" nodeType="withGroup">
-                            <p:stCondLst>
-                              <p:cond delay="0"/>
-                            </p:stCondLst>
-                            <p:childTnLst>
-                              <p:par>
-                                <p:cTn id="5" presetID="10" presetClass="entr" presetSubtype="0" fill="hold" nodeType="clickEffect">
-                                  <p:stCondLst>
-                                    <p:cond delay="0"/>
-                                  </p:stCondLst>
-                                  <p:childTnLst>
-                                    <p:set>
-                                      <p:cBhvr>
-                                        <p:cTn id="6" dur="1" fill="hold">
-                                          <p:stCondLst>
-                                            <p:cond delay="0"/>
-                                          </p:stCondLst>
-                                        </p:cTn>
-                                        <p:tgtEl>
-                                          <p:spTgt spid="1341443"/>
-                                        </p:tgtEl>
-                                        <p:attrNameLst>
-                                          <p:attrName>style.visibility</p:attrName>
-                                        </p:attrNameLst>
-                                      </p:cBhvr>
-                                      <p:to>
-                                        <p:strVal val="visible"/>
-                                      </p:to>
-                                    </p:set>
-                                    <p:animEffect transition="in" filter="fade">
-                                      <p:cBhvr>
-                                        <p:cTn id="7" dur="500"/>
-                                        <p:tgtEl>
-                                          <p:spTgt spid="1341443"/>
-                                        </p:tgtEl>
-                                      </p:cBhvr>
-                                    </p:animEffect>
-                                  </p:childTnLst>
-                                </p:cTn>
-                              </p:par>
-                            </p:childTnLst>
-                          </p:cTn>
-                        </p:par>
-                      </p:childTnLst>
-                    </p:cTn>
-                  </p:par>
-                </p:childTnLst>
-              </p:cTn>
-              <p:prevCondLst>
-                <p:cond evt="onPrev" delay="0">
-                  <p:tgtEl>
-                    <p:sldTgt/>
-                  </p:tgtEl>
-                </p:cond>
-              </p:prevCondLst>
-              <p:nextCondLst>
-                <p:cond evt="onNext" delay="0">
-                  <p:tgtEl>
-                    <p:sldTgt/>
-                  </p:tgtEl>
-                </p:cond>
-              </p:nextCondLst>
-            </p:seq>
-          </p:childTnLst>
-        </p:cTn>
-      </p:par>
-    </p:tnLst>
-  </p:timing>
 </p:sld>
 </file>
 
